--- a/DOCS/MENU y COSAS ROGUE 2.pptx
+++ b/DOCS/MENU y COSAS ROGUE 2.pptx
@@ -7,6 +7,8 @@
   <p:sldIdLst>
     <p:sldId id="256" r:id="rId2"/>
     <p:sldId id="257" r:id="rId3"/>
+    <p:sldId id="258" r:id="rId4"/>
+    <p:sldId id="259" r:id="rId5"/>
   </p:sldIdLst>
   <p:sldSz cx="9144000" cy="6858000" type="screen4x3"/>
   <p:notesSz cx="6858000" cy="9144000"/>
@@ -290,7 +292,7 @@
             <a:fld id="{52A02725-CFE0-42C9-A376-3186DBA0576B}" type="datetimeFigureOut">
               <a:rPr lang="es-AR" smtClean="0"/>
               <a:pPr/>
-              <a:t>07/01/2020</a:t>
+              <a:t>16/01/2020</a:t>
             </a:fld>
             <a:endParaRPr lang="es-AR"/>
           </a:p>
@@ -457,7 +459,7 @@
             <a:fld id="{52A02725-CFE0-42C9-A376-3186DBA0576B}" type="datetimeFigureOut">
               <a:rPr lang="es-AR" smtClean="0"/>
               <a:pPr/>
-              <a:t>07/01/2020</a:t>
+              <a:t>16/01/2020</a:t>
             </a:fld>
             <a:endParaRPr lang="es-AR"/>
           </a:p>
@@ -634,7 +636,7 @@
             <a:fld id="{52A02725-CFE0-42C9-A376-3186DBA0576B}" type="datetimeFigureOut">
               <a:rPr lang="es-AR" smtClean="0"/>
               <a:pPr/>
-              <a:t>07/01/2020</a:t>
+              <a:t>16/01/2020</a:t>
             </a:fld>
             <a:endParaRPr lang="es-AR"/>
           </a:p>
@@ -801,7 +803,7 @@
             <a:fld id="{52A02725-CFE0-42C9-A376-3186DBA0576B}" type="datetimeFigureOut">
               <a:rPr lang="es-AR" smtClean="0"/>
               <a:pPr/>
-              <a:t>07/01/2020</a:t>
+              <a:t>16/01/2020</a:t>
             </a:fld>
             <a:endParaRPr lang="es-AR"/>
           </a:p>
@@ -1044,7 +1046,7 @@
             <a:fld id="{52A02725-CFE0-42C9-A376-3186DBA0576B}" type="datetimeFigureOut">
               <a:rPr lang="es-AR" smtClean="0"/>
               <a:pPr/>
-              <a:t>07/01/2020</a:t>
+              <a:t>16/01/2020</a:t>
             </a:fld>
             <a:endParaRPr lang="es-AR"/>
           </a:p>
@@ -1329,7 +1331,7 @@
             <a:fld id="{52A02725-CFE0-42C9-A376-3186DBA0576B}" type="datetimeFigureOut">
               <a:rPr lang="es-AR" smtClean="0"/>
               <a:pPr/>
-              <a:t>07/01/2020</a:t>
+              <a:t>16/01/2020</a:t>
             </a:fld>
             <a:endParaRPr lang="es-AR"/>
           </a:p>
@@ -1748,7 +1750,7 @@
             <a:fld id="{52A02725-CFE0-42C9-A376-3186DBA0576B}" type="datetimeFigureOut">
               <a:rPr lang="es-AR" smtClean="0"/>
               <a:pPr/>
-              <a:t>07/01/2020</a:t>
+              <a:t>16/01/2020</a:t>
             </a:fld>
             <a:endParaRPr lang="es-AR"/>
           </a:p>
@@ -1863,7 +1865,7 @@
             <a:fld id="{52A02725-CFE0-42C9-A376-3186DBA0576B}" type="datetimeFigureOut">
               <a:rPr lang="es-AR" smtClean="0"/>
               <a:pPr/>
-              <a:t>07/01/2020</a:t>
+              <a:t>16/01/2020</a:t>
             </a:fld>
             <a:endParaRPr lang="es-AR"/>
           </a:p>
@@ -1955,7 +1957,7 @@
             <a:fld id="{52A02725-CFE0-42C9-A376-3186DBA0576B}" type="datetimeFigureOut">
               <a:rPr lang="es-AR" smtClean="0"/>
               <a:pPr/>
-              <a:t>07/01/2020</a:t>
+              <a:t>16/01/2020</a:t>
             </a:fld>
             <a:endParaRPr lang="es-AR"/>
           </a:p>
@@ -2229,7 +2231,7 @@
             <a:fld id="{52A02725-CFE0-42C9-A376-3186DBA0576B}" type="datetimeFigureOut">
               <a:rPr lang="es-AR" smtClean="0"/>
               <a:pPr/>
-              <a:t>07/01/2020</a:t>
+              <a:t>16/01/2020</a:t>
             </a:fld>
             <a:endParaRPr lang="es-AR"/>
           </a:p>
@@ -2479,7 +2481,7 @@
             <a:fld id="{52A02725-CFE0-42C9-A376-3186DBA0576B}" type="datetimeFigureOut">
               <a:rPr lang="es-AR" smtClean="0"/>
               <a:pPr/>
-              <a:t>07/01/2020</a:t>
+              <a:t>16/01/2020</a:t>
             </a:fld>
             <a:endParaRPr lang="es-AR"/>
           </a:p>
@@ -2689,7 +2691,7 @@
             <a:fld id="{52A02725-CFE0-42C9-A376-3186DBA0576B}" type="datetimeFigureOut">
               <a:rPr lang="es-AR" smtClean="0"/>
               <a:pPr/>
-              <a:t>07/01/2020</a:t>
+              <a:t>16/01/2020</a:t>
             </a:fld>
             <a:endParaRPr lang="es-AR"/>
           </a:p>
@@ -4736,7 +4738,7 @@
         </p:nvSpPr>
         <p:spPr>
           <a:xfrm>
-            <a:off x="6429388" y="2786058"/>
+            <a:off x="6732240" y="1772816"/>
             <a:ext cx="1143008" cy="642942"/>
           </a:xfrm>
           <a:prstGeom prst="rect">
@@ -4781,6 +4783,566 @@
             <a:r>
               <a:rPr lang="es-AR" sz="1000" b="1" dirty="0" smtClean="0"/>
               <a:t>P: pasivas</a:t>
+            </a:r>
+          </a:p>
+        </p:txBody>
+      </p:sp>
+      <p:pic>
+        <p:nvPicPr>
+          <p:cNvPr id="1026" name="Picture 2"/>
+          <p:cNvPicPr>
+            <a:picLocks noChangeAspect="1" noChangeArrowheads="1"/>
+          </p:cNvPicPr>
+          <p:nvPr/>
+        </p:nvPicPr>
+        <p:blipFill>
+          <a:blip r:embed="rId4" cstate="print"/>
+          <a:srcRect/>
+          <a:stretch>
+            <a:fillRect/>
+          </a:stretch>
+        </p:blipFill>
+        <p:spPr bwMode="auto">
+          <a:xfrm>
+            <a:off x="6660232" y="2852936"/>
+            <a:ext cx="438150" cy="1552575"/>
+          </a:xfrm>
+          <a:prstGeom prst="rect">
+            <a:avLst/>
+          </a:prstGeom>
+          <a:noFill/>
+          <a:ln w="9525">
+            <a:noFill/>
+            <a:miter lim="800000"/>
+            <a:headEnd/>
+            <a:tailEnd/>
+          </a:ln>
+        </p:spPr>
+      </p:pic>
+      <p:pic>
+        <p:nvPicPr>
+          <p:cNvPr id="1027" name="Picture 3"/>
+          <p:cNvPicPr>
+            <a:picLocks noChangeAspect="1" noChangeArrowheads="1"/>
+          </p:cNvPicPr>
+          <p:nvPr/>
+        </p:nvPicPr>
+        <p:blipFill>
+          <a:blip r:embed="rId5" cstate="print"/>
+          <a:srcRect/>
+          <a:stretch>
+            <a:fillRect/>
+          </a:stretch>
+        </p:blipFill>
+        <p:spPr bwMode="auto">
+          <a:xfrm>
+            <a:off x="6732240" y="4405511"/>
+            <a:ext cx="304800" cy="1200150"/>
+          </a:xfrm>
+          <a:prstGeom prst="rect">
+            <a:avLst/>
+          </a:prstGeom>
+          <a:noFill/>
+          <a:ln w="9525">
+            <a:noFill/>
+            <a:miter lim="800000"/>
+            <a:headEnd/>
+            <a:tailEnd/>
+          </a:ln>
+        </p:spPr>
+      </p:pic>
+      <p:pic>
+        <p:nvPicPr>
+          <p:cNvPr id="1029" name="Picture 5"/>
+          <p:cNvPicPr>
+            <a:picLocks noChangeAspect="1" noChangeArrowheads="1"/>
+          </p:cNvPicPr>
+          <p:nvPr/>
+        </p:nvPicPr>
+        <p:blipFill>
+          <a:blip r:embed="rId6" cstate="print"/>
+          <a:srcRect/>
+          <a:stretch>
+            <a:fillRect/>
+          </a:stretch>
+        </p:blipFill>
+        <p:spPr bwMode="auto">
+          <a:xfrm>
+            <a:off x="6660232" y="5557639"/>
+            <a:ext cx="533400" cy="390525"/>
+          </a:xfrm>
+          <a:prstGeom prst="rect">
+            <a:avLst/>
+          </a:prstGeom>
+          <a:noFill/>
+          <a:ln w="9525">
+            <a:noFill/>
+            <a:miter lim="800000"/>
+            <a:headEnd/>
+            <a:tailEnd/>
+          </a:ln>
+        </p:spPr>
+      </p:pic>
+      <p:sp>
+        <p:nvSpPr>
+          <p:cNvPr id="44" name="43 Rectángulo"/>
+          <p:cNvSpPr/>
+          <p:nvPr/>
+        </p:nvSpPr>
+        <p:spPr>
+          <a:xfrm>
+            <a:off x="7236296" y="2893343"/>
+            <a:ext cx="1008112" cy="288032"/>
+          </a:xfrm>
+          <a:prstGeom prst="rect">
+            <a:avLst/>
+          </a:prstGeom>
+        </p:spPr>
+        <p:style>
+          <a:lnRef idx="1">
+            <a:schemeClr val="dk1"/>
+          </a:lnRef>
+          <a:fillRef idx="2">
+            <a:schemeClr val="dk1"/>
+          </a:fillRef>
+          <a:effectRef idx="1">
+            <a:schemeClr val="dk1"/>
+          </a:effectRef>
+          <a:fontRef idx="minor">
+            <a:schemeClr val="dk1"/>
+          </a:fontRef>
+        </p:style>
+        <p:txBody>
+          <a:bodyPr rtlCol="0" anchor="ctr"/>
+          <a:lstStyle/>
+          <a:p>
+            <a:r>
+              <a:rPr lang="es-AR" dirty="0" smtClean="0"/>
+              <a:t>ataque</a:t>
+            </a:r>
+            <a:endParaRPr lang="es-AR" dirty="0"/>
+          </a:p>
+        </p:txBody>
+      </p:sp>
+      <p:sp>
+        <p:nvSpPr>
+          <p:cNvPr id="45" name="44 Rectángulo"/>
+          <p:cNvSpPr/>
+          <p:nvPr/>
+        </p:nvSpPr>
+        <p:spPr>
+          <a:xfrm>
+            <a:off x="7236296" y="3253383"/>
+            <a:ext cx="1008112" cy="288032"/>
+          </a:xfrm>
+          <a:prstGeom prst="rect">
+            <a:avLst/>
+          </a:prstGeom>
+        </p:spPr>
+        <p:style>
+          <a:lnRef idx="1">
+            <a:schemeClr val="dk1"/>
+          </a:lnRef>
+          <a:fillRef idx="2">
+            <a:schemeClr val="dk1"/>
+          </a:fillRef>
+          <a:effectRef idx="1">
+            <a:schemeClr val="dk1"/>
+          </a:effectRef>
+          <a:fontRef idx="minor">
+            <a:schemeClr val="dk1"/>
+          </a:fontRef>
+        </p:style>
+        <p:txBody>
+          <a:bodyPr rtlCol="0" anchor="ctr"/>
+          <a:lstStyle/>
+          <a:p>
+            <a:r>
+              <a:rPr lang="es-AR" dirty="0" smtClean="0"/>
+              <a:t>defensa</a:t>
+            </a:r>
+            <a:endParaRPr lang="es-AR" dirty="0"/>
+          </a:p>
+        </p:txBody>
+      </p:sp>
+      <p:sp>
+        <p:nvSpPr>
+          <p:cNvPr id="46" name="45 Rectángulo"/>
+          <p:cNvSpPr/>
+          <p:nvPr/>
+        </p:nvSpPr>
+        <p:spPr>
+          <a:xfrm>
+            <a:off x="7236296" y="3613423"/>
+            <a:ext cx="1152128" cy="288032"/>
+          </a:xfrm>
+          <a:prstGeom prst="rect">
+            <a:avLst/>
+          </a:prstGeom>
+        </p:spPr>
+        <p:style>
+          <a:lnRef idx="1">
+            <a:schemeClr val="dk1"/>
+          </a:lnRef>
+          <a:fillRef idx="2">
+            <a:schemeClr val="dk1"/>
+          </a:fillRef>
+          <a:effectRef idx="1">
+            <a:schemeClr val="dk1"/>
+          </a:effectRef>
+          <a:fontRef idx="minor">
+            <a:schemeClr val="dk1"/>
+          </a:fontRef>
+        </p:style>
+        <p:txBody>
+          <a:bodyPr rtlCol="0" anchor="ctr"/>
+          <a:lstStyle/>
+          <a:p>
+            <a:r>
+              <a:rPr lang="es-AR" dirty="0" smtClean="0"/>
+              <a:t>velocidad</a:t>
+            </a:r>
+            <a:endParaRPr lang="es-AR" dirty="0"/>
+          </a:p>
+        </p:txBody>
+      </p:sp>
+      <p:sp>
+        <p:nvSpPr>
+          <p:cNvPr id="47" name="46 Rectángulo"/>
+          <p:cNvSpPr/>
+          <p:nvPr/>
+        </p:nvSpPr>
+        <p:spPr>
+          <a:xfrm>
+            <a:off x="7236296" y="4852447"/>
+            <a:ext cx="1728192" cy="288032"/>
+          </a:xfrm>
+          <a:prstGeom prst="rect">
+            <a:avLst/>
+          </a:prstGeom>
+        </p:spPr>
+        <p:style>
+          <a:lnRef idx="1">
+            <a:schemeClr val="dk1"/>
+          </a:lnRef>
+          <a:fillRef idx="2">
+            <a:schemeClr val="dk1"/>
+          </a:fillRef>
+          <a:effectRef idx="1">
+            <a:schemeClr val="dk1"/>
+          </a:effectRef>
+          <a:fontRef idx="minor">
+            <a:schemeClr val="dk1"/>
+          </a:fontRef>
+        </p:style>
+        <p:txBody>
+          <a:bodyPr rtlCol="0" anchor="ctr"/>
+          <a:lstStyle/>
+          <a:p>
+            <a:r>
+              <a:rPr lang="es-AR" dirty="0" smtClean="0"/>
+              <a:t>Defensa Magia</a:t>
+            </a:r>
+          </a:p>
+        </p:txBody>
+      </p:sp>
+      <p:sp>
+        <p:nvSpPr>
+          <p:cNvPr id="56" name="55 Rectángulo"/>
+          <p:cNvSpPr/>
+          <p:nvPr/>
+        </p:nvSpPr>
+        <p:spPr>
+          <a:xfrm>
+            <a:off x="7236296" y="4477519"/>
+            <a:ext cx="1152128" cy="288032"/>
+          </a:xfrm>
+          <a:prstGeom prst="rect">
+            <a:avLst/>
+          </a:prstGeom>
+        </p:spPr>
+        <p:style>
+          <a:lnRef idx="1">
+            <a:schemeClr val="dk1"/>
+          </a:lnRef>
+          <a:fillRef idx="2">
+            <a:schemeClr val="dk1"/>
+          </a:fillRef>
+          <a:effectRef idx="1">
+            <a:schemeClr val="dk1"/>
+          </a:effectRef>
+          <a:fontRef idx="minor">
+            <a:schemeClr val="dk1"/>
+          </a:fontRef>
+        </p:style>
+        <p:txBody>
+          <a:bodyPr rtlCol="0" anchor="ctr"/>
+          <a:lstStyle/>
+          <a:p>
+            <a:r>
+              <a:rPr lang="es-AR" dirty="0" smtClean="0"/>
+              <a:t>daño</a:t>
+            </a:r>
+          </a:p>
+        </p:txBody>
+      </p:sp>
+      <p:sp>
+        <p:nvSpPr>
+          <p:cNvPr id="57" name="56 Rectángulo"/>
+          <p:cNvSpPr/>
+          <p:nvPr/>
+        </p:nvSpPr>
+        <p:spPr>
+          <a:xfrm>
+            <a:off x="7236296" y="5269607"/>
+            <a:ext cx="1152128" cy="288032"/>
+          </a:xfrm>
+          <a:prstGeom prst="rect">
+            <a:avLst/>
+          </a:prstGeom>
+        </p:spPr>
+        <p:style>
+          <a:lnRef idx="1">
+            <a:schemeClr val="dk1"/>
+          </a:lnRef>
+          <a:fillRef idx="2">
+            <a:schemeClr val="dk1"/>
+          </a:fillRef>
+          <a:effectRef idx="1">
+            <a:schemeClr val="dk1"/>
+          </a:effectRef>
+          <a:fontRef idx="minor">
+            <a:schemeClr val="dk1"/>
+          </a:fontRef>
+        </p:style>
+        <p:txBody>
+          <a:bodyPr rtlCol="0" anchor="ctr"/>
+          <a:lstStyle/>
+          <a:p>
+            <a:r>
+              <a:rPr lang="es-AR" dirty="0" smtClean="0"/>
+              <a:t>HP</a:t>
+            </a:r>
+          </a:p>
+        </p:txBody>
+      </p:sp>
+      <p:sp>
+        <p:nvSpPr>
+          <p:cNvPr id="58" name="57 Rectángulo"/>
+          <p:cNvSpPr/>
+          <p:nvPr/>
+        </p:nvSpPr>
+        <p:spPr>
+          <a:xfrm>
+            <a:off x="7236296" y="5629647"/>
+            <a:ext cx="1728192" cy="288032"/>
+          </a:xfrm>
+          <a:prstGeom prst="rect">
+            <a:avLst/>
+          </a:prstGeom>
+        </p:spPr>
+        <p:style>
+          <a:lnRef idx="1">
+            <a:schemeClr val="dk1"/>
+          </a:lnRef>
+          <a:fillRef idx="2">
+            <a:schemeClr val="dk1"/>
+          </a:fillRef>
+          <a:effectRef idx="1">
+            <a:schemeClr val="dk1"/>
+          </a:effectRef>
+          <a:fontRef idx="minor">
+            <a:schemeClr val="dk1"/>
+          </a:fontRef>
+        </p:style>
+        <p:txBody>
+          <a:bodyPr rtlCol="0" anchor="ctr"/>
+          <a:lstStyle/>
+          <a:p>
+            <a:r>
+              <a:rPr lang="es-AR" dirty="0" smtClean="0"/>
+              <a:t>Poder </a:t>
+            </a:r>
+            <a:r>
+              <a:rPr lang="es-AR" dirty="0" err="1" smtClean="0"/>
+              <a:t>Magico</a:t>
+            </a:r>
+            <a:endParaRPr lang="es-AR" dirty="0" smtClean="0"/>
+          </a:p>
+        </p:txBody>
+      </p:sp>
+      <p:pic>
+        <p:nvPicPr>
+          <p:cNvPr id="1031" name="Picture 7"/>
+          <p:cNvPicPr>
+            <a:picLocks noChangeAspect="1" noChangeArrowheads="1"/>
+          </p:cNvPicPr>
+          <p:nvPr/>
+        </p:nvPicPr>
+        <p:blipFill>
+          <a:blip r:embed="rId7" cstate="print"/>
+          <a:srcRect/>
+          <a:stretch>
+            <a:fillRect/>
+          </a:stretch>
+        </p:blipFill>
+        <p:spPr bwMode="auto">
+          <a:xfrm>
+            <a:off x="4283968" y="6093296"/>
+            <a:ext cx="432048" cy="468052"/>
+          </a:xfrm>
+          <a:prstGeom prst="rect">
+            <a:avLst/>
+          </a:prstGeom>
+          <a:noFill/>
+          <a:ln w="9525">
+            <a:noFill/>
+            <a:miter lim="800000"/>
+            <a:headEnd/>
+            <a:tailEnd/>
+          </a:ln>
+        </p:spPr>
+      </p:pic>
+      <p:sp>
+        <p:nvSpPr>
+          <p:cNvPr id="59" name="58 Rectángulo"/>
+          <p:cNvSpPr/>
+          <p:nvPr/>
+        </p:nvSpPr>
+        <p:spPr>
+          <a:xfrm>
+            <a:off x="7236296" y="4077072"/>
+            <a:ext cx="1368152" cy="288032"/>
+          </a:xfrm>
+          <a:prstGeom prst="rect">
+            <a:avLst/>
+          </a:prstGeom>
+        </p:spPr>
+        <p:style>
+          <a:lnRef idx="1">
+            <a:schemeClr val="dk1"/>
+          </a:lnRef>
+          <a:fillRef idx="2">
+            <a:schemeClr val="dk1"/>
+          </a:fillRef>
+          <a:effectRef idx="1">
+            <a:schemeClr val="dk1"/>
+          </a:effectRef>
+          <a:fontRef idx="minor">
+            <a:schemeClr val="dk1"/>
+          </a:fontRef>
+        </p:style>
+        <p:txBody>
+          <a:bodyPr rtlCol="0" anchor="ctr"/>
+          <a:lstStyle/>
+          <a:p>
+            <a:r>
+              <a:rPr lang="es-AR" dirty="0" smtClean="0"/>
+              <a:t>experiencia</a:t>
+            </a:r>
+          </a:p>
+        </p:txBody>
+      </p:sp>
+      <p:pic>
+        <p:nvPicPr>
+          <p:cNvPr id="1032" name="Picture 8"/>
+          <p:cNvPicPr>
+            <a:picLocks noChangeAspect="1" noChangeArrowheads="1"/>
+          </p:cNvPicPr>
+          <p:nvPr/>
+        </p:nvPicPr>
+        <p:blipFill>
+          <a:blip r:embed="rId8" cstate="print"/>
+          <a:srcRect/>
+          <a:stretch>
+            <a:fillRect/>
+          </a:stretch>
+        </p:blipFill>
+        <p:spPr bwMode="auto">
+          <a:xfrm>
+            <a:off x="6588224" y="3973463"/>
+            <a:ext cx="511711" cy="443483"/>
+          </a:xfrm>
+          <a:prstGeom prst="rect">
+            <a:avLst/>
+          </a:prstGeom>
+          <a:noFill/>
+          <a:ln w="9525">
+            <a:noFill/>
+            <a:miter lim="800000"/>
+            <a:headEnd/>
+            <a:tailEnd/>
+          </a:ln>
+        </p:spPr>
+      </p:pic>
+      <p:pic>
+        <p:nvPicPr>
+          <p:cNvPr id="1034" name="Picture 10"/>
+          <p:cNvPicPr>
+            <a:picLocks noChangeAspect="1" noChangeArrowheads="1"/>
+          </p:cNvPicPr>
+          <p:nvPr/>
+        </p:nvPicPr>
+        <p:blipFill>
+          <a:blip r:embed="rId9" cstate="print"/>
+          <a:srcRect/>
+          <a:stretch>
+            <a:fillRect/>
+          </a:stretch>
+        </p:blipFill>
+        <p:spPr bwMode="auto">
+          <a:xfrm>
+            <a:off x="6732240" y="5989687"/>
+            <a:ext cx="361950" cy="381000"/>
+          </a:xfrm>
+          <a:prstGeom prst="rect">
+            <a:avLst/>
+          </a:prstGeom>
+          <a:noFill/>
+          <a:ln w="9525">
+            <a:noFill/>
+            <a:miter lim="800000"/>
+            <a:headEnd/>
+            <a:tailEnd/>
+          </a:ln>
+        </p:spPr>
+      </p:pic>
+      <p:sp>
+        <p:nvSpPr>
+          <p:cNvPr id="60" name="59 Rectángulo"/>
+          <p:cNvSpPr/>
+          <p:nvPr/>
+        </p:nvSpPr>
+        <p:spPr>
+          <a:xfrm>
+            <a:off x="7236296" y="6021288"/>
+            <a:ext cx="1728192" cy="288032"/>
+          </a:xfrm>
+          <a:prstGeom prst="rect">
+            <a:avLst/>
+          </a:prstGeom>
+        </p:spPr>
+        <p:style>
+          <a:lnRef idx="1">
+            <a:schemeClr val="dk1"/>
+          </a:lnRef>
+          <a:fillRef idx="2">
+            <a:schemeClr val="dk1"/>
+          </a:fillRef>
+          <a:effectRef idx="1">
+            <a:schemeClr val="dk1"/>
+          </a:effectRef>
+          <a:fontRef idx="minor">
+            <a:schemeClr val="dk1"/>
+          </a:fontRef>
+        </p:style>
+        <p:txBody>
+          <a:bodyPr rtlCol="0" anchor="ctr"/>
+          <a:lstStyle/>
+          <a:p>
+            <a:r>
+              <a:rPr lang="es-AR" dirty="0" smtClean="0"/>
+              <a:t>Puntos de Poder</a:t>
             </a:r>
           </a:p>
         </p:txBody>
@@ -6120,6 +6682,1676 @@
               <a:t>EXP</a:t>
             </a:r>
             <a:endParaRPr lang="es-AR" sz="1400" b="1" dirty="0"/>
+          </a:p>
+        </p:txBody>
+      </p:sp>
+    </p:spTree>
+  </p:cSld>
+  <p:clrMapOvr>
+    <a:masterClrMapping/>
+  </p:clrMapOvr>
+  <p:timing>
+    <p:tnLst>
+      <p:par>
+        <p:cTn id="1" dur="indefinite" restart="never" nodeType="tmRoot"/>
+      </p:par>
+    </p:tnLst>
+  </p:timing>
+</p:sld>
+</file>
+
+<file path=ppt/slides/slide3.xml><?xml version="1.0" encoding="utf-8"?>
+<p:sld xmlns:a="http://schemas.openxmlformats.org/drawingml/2006/main" xmlns:r="http://schemas.openxmlformats.org/officeDocument/2006/relationships" xmlns:p="http://schemas.openxmlformats.org/presentationml/2006/main">
+  <p:cSld>
+    <p:spTree>
+      <p:nvGrpSpPr>
+        <p:cNvPr id="1" name=""/>
+        <p:cNvGrpSpPr/>
+        <p:nvPr/>
+      </p:nvGrpSpPr>
+      <p:grpSpPr>
+        <a:xfrm>
+          <a:off x="0" y="0"/>
+          <a:ext cx="0" cy="0"/>
+          <a:chOff x="0" y="0"/>
+          <a:chExt cx="0" cy="0"/>
+        </a:xfrm>
+      </p:grpSpPr>
+      <p:pic>
+        <p:nvPicPr>
+          <p:cNvPr id="1030" name="Picture 6"/>
+          <p:cNvPicPr>
+            <a:picLocks noChangeAspect="1" noChangeArrowheads="1"/>
+          </p:cNvPicPr>
+          <p:nvPr/>
+        </p:nvPicPr>
+        <p:blipFill>
+          <a:blip r:embed="rId2" cstate="print">
+            <a:duotone>
+              <a:schemeClr val="bg2">
+                <a:shade val="45000"/>
+                <a:satMod val="135000"/>
+              </a:schemeClr>
+              <a:prstClr val="white"/>
+            </a:duotone>
+          </a:blip>
+          <a:srcRect/>
+          <a:stretch>
+            <a:fillRect/>
+          </a:stretch>
+        </p:blipFill>
+        <p:spPr bwMode="auto">
+          <a:xfrm rot="2176404">
+            <a:off x="6678134" y="2126566"/>
+            <a:ext cx="1866900" cy="1800225"/>
+          </a:xfrm>
+          <a:prstGeom prst="rect">
+            <a:avLst/>
+          </a:prstGeom>
+          <a:noFill/>
+          <a:ln w="9525">
+            <a:noFill/>
+            <a:miter lim="800000"/>
+            <a:headEnd/>
+            <a:tailEnd/>
+          </a:ln>
+          <a:effectLst/>
+        </p:spPr>
+      </p:pic>
+      <p:sp>
+        <p:nvSpPr>
+          <p:cNvPr id="20" name="19 Rectángulo"/>
+          <p:cNvSpPr/>
+          <p:nvPr/>
+        </p:nvSpPr>
+        <p:spPr>
+          <a:xfrm>
+            <a:off x="1214414" y="785794"/>
+            <a:ext cx="1857388" cy="642942"/>
+          </a:xfrm>
+          <a:prstGeom prst="rect">
+            <a:avLst/>
+          </a:prstGeom>
+        </p:spPr>
+        <p:style>
+          <a:lnRef idx="1">
+            <a:schemeClr val="accent6"/>
+          </a:lnRef>
+          <a:fillRef idx="2">
+            <a:schemeClr val="accent6"/>
+          </a:fillRef>
+          <a:effectRef idx="1">
+            <a:schemeClr val="accent6"/>
+          </a:effectRef>
+          <a:fontRef idx="minor">
+            <a:schemeClr val="dk1"/>
+          </a:fontRef>
+        </p:style>
+        <p:txBody>
+          <a:bodyPr rtlCol="0" anchor="ctr"/>
+          <a:lstStyle/>
+          <a:p>
+            <a:pPr algn="ctr"/>
+            <a:r>
+              <a:rPr lang="es-AR" dirty="0" smtClean="0"/>
+              <a:t>EN DESTINO HAY ENEMIGO</a:t>
+            </a:r>
+            <a:endParaRPr lang="es-AR" dirty="0"/>
+          </a:p>
+        </p:txBody>
+      </p:sp>
+      <p:sp>
+        <p:nvSpPr>
+          <p:cNvPr id="65" name="64 Rectángulo"/>
+          <p:cNvSpPr/>
+          <p:nvPr/>
+        </p:nvSpPr>
+        <p:spPr>
+          <a:xfrm>
+            <a:off x="214282" y="214290"/>
+            <a:ext cx="8715436" cy="357190"/>
+          </a:xfrm>
+          <a:prstGeom prst="rect">
+            <a:avLst/>
+          </a:prstGeom>
+        </p:spPr>
+        <p:style>
+          <a:lnRef idx="1">
+            <a:schemeClr val="dk1"/>
+          </a:lnRef>
+          <a:fillRef idx="2">
+            <a:schemeClr val="dk1"/>
+          </a:fillRef>
+          <a:effectRef idx="1">
+            <a:schemeClr val="dk1"/>
+          </a:effectRef>
+          <a:fontRef idx="minor">
+            <a:schemeClr val="dk1"/>
+          </a:fontRef>
+        </p:style>
+        <p:txBody>
+          <a:bodyPr rtlCol="0" anchor="ctr"/>
+          <a:lstStyle/>
+          <a:p>
+            <a:pPr algn="ctr"/>
+            <a:r>
+              <a:rPr lang="es-AR" sz="2000" b="1" dirty="0" smtClean="0"/>
+              <a:t>COMPROBACIONES EN CADA PASO</a:t>
+            </a:r>
+            <a:endParaRPr lang="es-AR" sz="2000" b="1" dirty="0"/>
+          </a:p>
+        </p:txBody>
+      </p:sp>
+      <p:sp>
+        <p:nvSpPr>
+          <p:cNvPr id="66" name="65 Rectángulo"/>
+          <p:cNvSpPr/>
+          <p:nvPr/>
+        </p:nvSpPr>
+        <p:spPr>
+          <a:xfrm>
+            <a:off x="3071802" y="857232"/>
+            <a:ext cx="2428892" cy="500066"/>
+          </a:xfrm>
+          <a:prstGeom prst="rect">
+            <a:avLst/>
+          </a:prstGeom>
+        </p:spPr>
+        <p:style>
+          <a:lnRef idx="1">
+            <a:schemeClr val="accent5"/>
+          </a:lnRef>
+          <a:fillRef idx="2">
+            <a:schemeClr val="accent5"/>
+          </a:fillRef>
+          <a:effectRef idx="1">
+            <a:schemeClr val="accent5"/>
+          </a:effectRef>
+          <a:fontRef idx="minor">
+            <a:schemeClr val="dk1"/>
+          </a:fontRef>
+        </p:style>
+        <p:txBody>
+          <a:bodyPr rtlCol="0" anchor="ctr"/>
+          <a:lstStyle/>
+          <a:p>
+            <a:r>
+              <a:rPr lang="es-AR" dirty="0" smtClean="0"/>
+              <a:t>ATACAR (NO AVANZAR)</a:t>
+            </a:r>
+            <a:endParaRPr lang="es-AR" dirty="0"/>
+          </a:p>
+        </p:txBody>
+      </p:sp>
+      <p:cxnSp>
+        <p:nvCxnSpPr>
+          <p:cNvPr id="24" name="23 Conector curvado"/>
+          <p:cNvCxnSpPr>
+            <a:stCxn id="20" idx="1"/>
+            <a:endCxn id="48" idx="1"/>
+          </p:cNvCxnSpPr>
+          <p:nvPr/>
+        </p:nvCxnSpPr>
+        <p:spPr>
+          <a:xfrm rot="10800000" flipV="1">
+            <a:off x="1214414" y="1107264"/>
+            <a:ext cx="1588" cy="1035851"/>
+          </a:xfrm>
+          <a:prstGeom prst="curvedConnector3">
+            <a:avLst>
+              <a:gd name="adj1" fmla="val 26277464"/>
+            </a:avLst>
+          </a:prstGeom>
+          <a:ln w="38100">
+            <a:solidFill>
+              <a:srgbClr val="C00000"/>
+            </a:solidFill>
+            <a:tailEnd type="arrow"/>
+          </a:ln>
+        </p:spPr>
+        <p:style>
+          <a:lnRef idx="1">
+            <a:schemeClr val="accent1"/>
+          </a:lnRef>
+          <a:fillRef idx="0">
+            <a:schemeClr val="accent1"/>
+          </a:fillRef>
+          <a:effectRef idx="0">
+            <a:schemeClr val="accent1"/>
+          </a:effectRef>
+          <a:fontRef idx="minor">
+            <a:schemeClr val="tx1"/>
+          </a:fontRef>
+        </p:style>
+      </p:cxnSp>
+      <p:cxnSp>
+        <p:nvCxnSpPr>
+          <p:cNvPr id="26" name="25 Conector curvado"/>
+          <p:cNvCxnSpPr>
+            <a:stCxn id="51" idx="3"/>
+            <a:endCxn id="52" idx="0"/>
+          </p:cNvCxnSpPr>
+          <p:nvPr/>
+        </p:nvCxnSpPr>
+        <p:spPr>
+          <a:xfrm>
+            <a:off x="4286248" y="3393281"/>
+            <a:ext cx="428628" cy="592233"/>
+          </a:xfrm>
+          <a:prstGeom prst="curvedConnector2">
+            <a:avLst/>
+          </a:prstGeom>
+          <a:ln w="38100">
+            <a:solidFill>
+              <a:srgbClr val="C00000"/>
+            </a:solidFill>
+            <a:tailEnd type="arrow"/>
+          </a:ln>
+        </p:spPr>
+        <p:style>
+          <a:lnRef idx="1">
+            <a:schemeClr val="accent1"/>
+          </a:lnRef>
+          <a:fillRef idx="0">
+            <a:schemeClr val="accent1"/>
+          </a:fillRef>
+          <a:effectRef idx="0">
+            <a:schemeClr val="accent1"/>
+          </a:effectRef>
+          <a:fontRef idx="minor">
+            <a:schemeClr val="tx1"/>
+          </a:fontRef>
+        </p:style>
+      </p:cxnSp>
+      <p:sp>
+        <p:nvSpPr>
+          <p:cNvPr id="48" name="47 Rectángulo"/>
+          <p:cNvSpPr/>
+          <p:nvPr/>
+        </p:nvSpPr>
+        <p:spPr>
+          <a:xfrm>
+            <a:off x="1214414" y="1571612"/>
+            <a:ext cx="1857388" cy="1143008"/>
+          </a:xfrm>
+          <a:prstGeom prst="rect">
+            <a:avLst/>
+          </a:prstGeom>
+        </p:spPr>
+        <p:style>
+          <a:lnRef idx="1">
+            <a:schemeClr val="accent6"/>
+          </a:lnRef>
+          <a:fillRef idx="2">
+            <a:schemeClr val="accent6"/>
+          </a:fillRef>
+          <a:effectRef idx="1">
+            <a:schemeClr val="accent6"/>
+          </a:effectRef>
+          <a:fontRef idx="minor">
+            <a:schemeClr val="dk1"/>
+          </a:fontRef>
+        </p:style>
+        <p:txBody>
+          <a:bodyPr rtlCol="0" anchor="ctr"/>
+          <a:lstStyle/>
+          <a:p>
+            <a:pPr algn="ctr"/>
+            <a:r>
+              <a:rPr lang="es-AR" dirty="0" smtClean="0"/>
+              <a:t>EN DESTINO HAY TILE ESPECIAL (PUERTA)</a:t>
+            </a:r>
+            <a:endParaRPr lang="es-AR" dirty="0"/>
+          </a:p>
+        </p:txBody>
+      </p:sp>
+      <p:sp>
+        <p:nvSpPr>
+          <p:cNvPr id="49" name="48 Rectángulo"/>
+          <p:cNvSpPr/>
+          <p:nvPr/>
+        </p:nvSpPr>
+        <p:spPr>
+          <a:xfrm>
+            <a:off x="3071802" y="1785926"/>
+            <a:ext cx="1857388" cy="642942"/>
+          </a:xfrm>
+          <a:prstGeom prst="rect">
+            <a:avLst/>
+          </a:prstGeom>
+        </p:spPr>
+        <p:style>
+          <a:lnRef idx="1">
+            <a:schemeClr val="accent5"/>
+          </a:lnRef>
+          <a:fillRef idx="2">
+            <a:schemeClr val="accent5"/>
+          </a:fillRef>
+          <a:effectRef idx="1">
+            <a:schemeClr val="accent5"/>
+          </a:effectRef>
+          <a:fontRef idx="minor">
+            <a:schemeClr val="dk1"/>
+          </a:fontRef>
+        </p:style>
+        <p:txBody>
+          <a:bodyPr rtlCol="0" anchor="ctr"/>
+          <a:lstStyle/>
+          <a:p>
+            <a:r>
+              <a:rPr lang="es-AR" dirty="0" smtClean="0"/>
+              <a:t>ACCION ESPECIAL </a:t>
+            </a:r>
+          </a:p>
+          <a:p>
+            <a:r>
+              <a:rPr lang="es-AR" dirty="0" smtClean="0"/>
+              <a:t>(NO AVANZAR)</a:t>
+            </a:r>
+            <a:endParaRPr lang="es-AR" dirty="0"/>
+          </a:p>
+        </p:txBody>
+      </p:sp>
+      <p:sp>
+        <p:nvSpPr>
+          <p:cNvPr id="50" name="49 Rectángulo"/>
+          <p:cNvSpPr/>
+          <p:nvPr/>
+        </p:nvSpPr>
+        <p:spPr>
+          <a:xfrm>
+            <a:off x="1214414" y="2857496"/>
+            <a:ext cx="1857388" cy="1143008"/>
+          </a:xfrm>
+          <a:prstGeom prst="rect">
+            <a:avLst/>
+          </a:prstGeom>
+        </p:spPr>
+        <p:style>
+          <a:lnRef idx="1">
+            <a:schemeClr val="accent6"/>
+          </a:lnRef>
+          <a:fillRef idx="2">
+            <a:schemeClr val="accent6"/>
+          </a:fillRef>
+          <a:effectRef idx="1">
+            <a:schemeClr val="accent6"/>
+          </a:effectRef>
+          <a:fontRef idx="minor">
+            <a:schemeClr val="dk1"/>
+          </a:fontRef>
+        </p:style>
+        <p:txBody>
+          <a:bodyPr rtlCol="0" anchor="ctr"/>
+          <a:lstStyle/>
+          <a:p>
+            <a:pPr algn="ctr"/>
+            <a:r>
+              <a:rPr lang="es-AR" dirty="0" smtClean="0"/>
+              <a:t>EL DESTINO ES TILE CAMINABLE</a:t>
+            </a:r>
+            <a:endParaRPr lang="es-AR" dirty="0"/>
+          </a:p>
+        </p:txBody>
+      </p:sp>
+      <p:sp>
+        <p:nvSpPr>
+          <p:cNvPr id="51" name="50 Rectángulo"/>
+          <p:cNvSpPr/>
+          <p:nvPr/>
+        </p:nvSpPr>
+        <p:spPr>
+          <a:xfrm>
+            <a:off x="3071802" y="3143248"/>
+            <a:ext cx="1214446" cy="500066"/>
+          </a:xfrm>
+          <a:prstGeom prst="rect">
+            <a:avLst/>
+          </a:prstGeom>
+        </p:spPr>
+        <p:style>
+          <a:lnRef idx="1">
+            <a:schemeClr val="accent5"/>
+          </a:lnRef>
+          <a:fillRef idx="2">
+            <a:schemeClr val="accent5"/>
+          </a:fillRef>
+          <a:effectRef idx="1">
+            <a:schemeClr val="accent5"/>
+          </a:effectRef>
+          <a:fontRef idx="minor">
+            <a:schemeClr val="dk1"/>
+          </a:fontRef>
+        </p:style>
+        <p:txBody>
+          <a:bodyPr rtlCol="0" anchor="ctr"/>
+          <a:lstStyle/>
+          <a:p>
+            <a:r>
+              <a:rPr lang="es-AR" dirty="0" smtClean="0"/>
+              <a:t>AVANZAR</a:t>
+            </a:r>
+          </a:p>
+        </p:txBody>
+      </p:sp>
+      <p:sp>
+        <p:nvSpPr>
+          <p:cNvPr id="52" name="51 Rectángulo"/>
+          <p:cNvSpPr/>
+          <p:nvPr/>
+        </p:nvSpPr>
+        <p:spPr>
+          <a:xfrm>
+            <a:off x="3286116" y="3985514"/>
+            <a:ext cx="2857520" cy="571504"/>
+          </a:xfrm>
+          <a:prstGeom prst="rect">
+            <a:avLst/>
+          </a:prstGeom>
+        </p:spPr>
+        <p:style>
+          <a:lnRef idx="1">
+            <a:schemeClr val="accent5"/>
+          </a:lnRef>
+          <a:fillRef idx="2">
+            <a:schemeClr val="accent5"/>
+          </a:fillRef>
+          <a:effectRef idx="1">
+            <a:schemeClr val="accent5"/>
+          </a:effectRef>
+          <a:fontRef idx="minor">
+            <a:schemeClr val="dk1"/>
+          </a:fontRef>
+        </p:style>
+        <p:txBody>
+          <a:bodyPr rtlCol="0" anchor="ctr"/>
+          <a:lstStyle/>
+          <a:p>
+            <a:pPr algn="ctr"/>
+            <a:r>
+              <a:rPr lang="es-AR" dirty="0" smtClean="0"/>
+              <a:t>EXPLORAR TILES NUEVOS</a:t>
+            </a:r>
+          </a:p>
+          <a:p>
+            <a:pPr algn="ctr"/>
+            <a:r>
+              <a:rPr lang="es-AR" dirty="0" smtClean="0"/>
+              <a:t>REVELAR FOR OF WAR</a:t>
+            </a:r>
+            <a:endParaRPr lang="es-AR" dirty="0"/>
+          </a:p>
+        </p:txBody>
+      </p:sp>
+      <p:sp>
+        <p:nvSpPr>
+          <p:cNvPr id="53" name="52 Rectángulo"/>
+          <p:cNvSpPr/>
+          <p:nvPr/>
+        </p:nvSpPr>
+        <p:spPr>
+          <a:xfrm>
+            <a:off x="3286116" y="5429264"/>
+            <a:ext cx="2857520" cy="571504"/>
+          </a:xfrm>
+          <a:prstGeom prst="rect">
+            <a:avLst/>
+          </a:prstGeom>
+        </p:spPr>
+        <p:style>
+          <a:lnRef idx="1">
+            <a:schemeClr val="accent6"/>
+          </a:lnRef>
+          <a:fillRef idx="2">
+            <a:schemeClr val="accent6"/>
+          </a:fillRef>
+          <a:effectRef idx="1">
+            <a:schemeClr val="accent6"/>
+          </a:effectRef>
+          <a:fontRef idx="minor">
+            <a:schemeClr val="dk1"/>
+          </a:fontRef>
+        </p:style>
+        <p:txBody>
+          <a:bodyPr rtlCol="0" anchor="ctr"/>
+          <a:lstStyle/>
+          <a:p>
+            <a:pPr algn="ctr"/>
+            <a:r>
+              <a:rPr lang="es-AR" dirty="0" smtClean="0"/>
+              <a:t>HAY ITEMS EN EL SUELO DESTINO</a:t>
+            </a:r>
+            <a:endParaRPr lang="es-AR" dirty="0"/>
+          </a:p>
+        </p:txBody>
+      </p:sp>
+      <p:sp>
+        <p:nvSpPr>
+          <p:cNvPr id="54" name="53 Rectángulo"/>
+          <p:cNvSpPr/>
+          <p:nvPr/>
+        </p:nvSpPr>
+        <p:spPr>
+          <a:xfrm>
+            <a:off x="3286116" y="6143644"/>
+            <a:ext cx="2857520" cy="571504"/>
+          </a:xfrm>
+          <a:prstGeom prst="rect">
+            <a:avLst/>
+          </a:prstGeom>
+        </p:spPr>
+        <p:style>
+          <a:lnRef idx="1">
+            <a:schemeClr val="accent6"/>
+          </a:lnRef>
+          <a:fillRef idx="2">
+            <a:schemeClr val="accent6"/>
+          </a:fillRef>
+          <a:effectRef idx="1">
+            <a:schemeClr val="accent6"/>
+          </a:effectRef>
+          <a:fontRef idx="minor">
+            <a:schemeClr val="dk1"/>
+          </a:fontRef>
+        </p:style>
+        <p:txBody>
+          <a:bodyPr rtlCol="0" anchor="ctr"/>
+          <a:lstStyle/>
+          <a:p>
+            <a:pPr algn="ctr"/>
+            <a:r>
+              <a:rPr lang="es-AR" dirty="0" smtClean="0"/>
+              <a:t>HAY OBJETO INTERACTIVO (PALANCA)</a:t>
+            </a:r>
+            <a:endParaRPr lang="es-AR" dirty="0"/>
+          </a:p>
+        </p:txBody>
+      </p:sp>
+      <p:sp>
+        <p:nvSpPr>
+          <p:cNvPr id="55" name="54 Rectángulo"/>
+          <p:cNvSpPr/>
+          <p:nvPr/>
+        </p:nvSpPr>
+        <p:spPr>
+          <a:xfrm>
+            <a:off x="3286116" y="4714884"/>
+            <a:ext cx="2857520" cy="571504"/>
+          </a:xfrm>
+          <a:prstGeom prst="rect">
+            <a:avLst/>
+          </a:prstGeom>
+        </p:spPr>
+        <p:style>
+          <a:lnRef idx="1">
+            <a:schemeClr val="accent6"/>
+          </a:lnRef>
+          <a:fillRef idx="2">
+            <a:schemeClr val="accent6"/>
+          </a:fillRef>
+          <a:effectRef idx="1">
+            <a:schemeClr val="accent6"/>
+          </a:effectRef>
+          <a:fontRef idx="minor">
+            <a:schemeClr val="dk1"/>
+          </a:fontRef>
+        </p:style>
+        <p:txBody>
+          <a:bodyPr rtlCol="0" anchor="ctr"/>
+          <a:lstStyle/>
+          <a:p>
+            <a:pPr algn="ctr"/>
+            <a:r>
+              <a:rPr lang="es-AR" dirty="0" smtClean="0"/>
+              <a:t>HAY ENEMIGOS CERCANOS</a:t>
+            </a:r>
+            <a:endParaRPr lang="es-AR" dirty="0"/>
+          </a:p>
+        </p:txBody>
+      </p:sp>
+      <p:sp>
+        <p:nvSpPr>
+          <p:cNvPr id="64" name="63 Rectángulo"/>
+          <p:cNvSpPr/>
+          <p:nvPr/>
+        </p:nvSpPr>
+        <p:spPr>
+          <a:xfrm>
+            <a:off x="6143636" y="5500702"/>
+            <a:ext cx="2071734" cy="500066"/>
+          </a:xfrm>
+          <a:prstGeom prst="rect">
+            <a:avLst/>
+          </a:prstGeom>
+        </p:spPr>
+        <p:style>
+          <a:lnRef idx="1">
+            <a:schemeClr val="accent5"/>
+          </a:lnRef>
+          <a:fillRef idx="2">
+            <a:schemeClr val="accent5"/>
+          </a:fillRef>
+          <a:effectRef idx="1">
+            <a:schemeClr val="accent5"/>
+          </a:effectRef>
+          <a:fontRef idx="minor">
+            <a:schemeClr val="dk1"/>
+          </a:fontRef>
+        </p:style>
+        <p:txBody>
+          <a:bodyPr rtlCol="0" anchor="ctr"/>
+          <a:lstStyle/>
+          <a:p>
+            <a:r>
+              <a:rPr lang="es-AR" dirty="0" smtClean="0"/>
+              <a:t>MOSTRAR MENU “RECOGER ITEMS”</a:t>
+            </a:r>
+          </a:p>
+        </p:txBody>
+      </p:sp>
+      <p:sp>
+        <p:nvSpPr>
+          <p:cNvPr id="70" name="69 Rectángulo"/>
+          <p:cNvSpPr/>
+          <p:nvPr/>
+        </p:nvSpPr>
+        <p:spPr>
+          <a:xfrm>
+            <a:off x="6143636" y="6215082"/>
+            <a:ext cx="2071734" cy="500066"/>
+          </a:xfrm>
+          <a:prstGeom prst="rect">
+            <a:avLst/>
+          </a:prstGeom>
+        </p:spPr>
+        <p:style>
+          <a:lnRef idx="1">
+            <a:schemeClr val="accent5"/>
+          </a:lnRef>
+          <a:fillRef idx="2">
+            <a:schemeClr val="accent5"/>
+          </a:fillRef>
+          <a:effectRef idx="1">
+            <a:schemeClr val="accent5"/>
+          </a:effectRef>
+          <a:fontRef idx="minor">
+            <a:schemeClr val="dk1"/>
+          </a:fontRef>
+        </p:style>
+        <p:txBody>
+          <a:bodyPr rtlCol="0" anchor="ctr"/>
+          <a:lstStyle/>
+          <a:p>
+            <a:r>
+              <a:rPr lang="es-AR" dirty="0" smtClean="0"/>
+              <a:t>MOSTRAR MENU “USAR OBJETO”</a:t>
+            </a:r>
+          </a:p>
+        </p:txBody>
+      </p:sp>
+      <p:sp>
+        <p:nvSpPr>
+          <p:cNvPr id="71" name="70 Rectángulo"/>
+          <p:cNvSpPr/>
+          <p:nvPr/>
+        </p:nvSpPr>
+        <p:spPr>
+          <a:xfrm>
+            <a:off x="6143636" y="4786322"/>
+            <a:ext cx="2071734" cy="500066"/>
+          </a:xfrm>
+          <a:prstGeom prst="rect">
+            <a:avLst/>
+          </a:prstGeom>
+        </p:spPr>
+        <p:style>
+          <a:lnRef idx="1">
+            <a:schemeClr val="accent5"/>
+          </a:lnRef>
+          <a:fillRef idx="2">
+            <a:schemeClr val="accent5"/>
+          </a:fillRef>
+          <a:effectRef idx="1">
+            <a:schemeClr val="accent5"/>
+          </a:effectRef>
+          <a:fontRef idx="minor">
+            <a:schemeClr val="dk1"/>
+          </a:fontRef>
+        </p:style>
+        <p:txBody>
+          <a:bodyPr rtlCol="0" anchor="ctr"/>
+          <a:lstStyle/>
+          <a:p>
+            <a:r>
+              <a:rPr lang="es-AR" dirty="0" smtClean="0"/>
+              <a:t>CAMBIAR A MODO “COMBATE”</a:t>
+            </a:r>
+          </a:p>
+        </p:txBody>
+      </p:sp>
+      <p:cxnSp>
+        <p:nvCxnSpPr>
+          <p:cNvPr id="84" name="83 Conector curvado"/>
+          <p:cNvCxnSpPr>
+            <a:stCxn id="48" idx="1"/>
+            <a:endCxn id="50" idx="1"/>
+          </p:cNvCxnSpPr>
+          <p:nvPr/>
+        </p:nvCxnSpPr>
+        <p:spPr>
+          <a:xfrm rot="10800000" flipV="1">
+            <a:off x="1214414" y="2143116"/>
+            <a:ext cx="1588" cy="1285884"/>
+          </a:xfrm>
+          <a:prstGeom prst="curvedConnector3">
+            <a:avLst>
+              <a:gd name="adj1" fmla="val 23535461"/>
+            </a:avLst>
+          </a:prstGeom>
+          <a:ln w="38100">
+            <a:solidFill>
+              <a:srgbClr val="C00000"/>
+            </a:solidFill>
+            <a:tailEnd type="arrow"/>
+          </a:ln>
+        </p:spPr>
+        <p:style>
+          <a:lnRef idx="1">
+            <a:schemeClr val="accent1"/>
+          </a:lnRef>
+          <a:fillRef idx="0">
+            <a:schemeClr val="accent1"/>
+          </a:fillRef>
+          <a:effectRef idx="0">
+            <a:schemeClr val="accent1"/>
+          </a:effectRef>
+          <a:fontRef idx="minor">
+            <a:schemeClr val="tx1"/>
+          </a:fontRef>
+        </p:style>
+      </p:cxnSp>
+      <p:cxnSp>
+        <p:nvCxnSpPr>
+          <p:cNvPr id="88" name="87 Conector curvado"/>
+          <p:cNvCxnSpPr>
+            <a:stCxn id="52" idx="1"/>
+            <a:endCxn id="55" idx="1"/>
+          </p:cNvCxnSpPr>
+          <p:nvPr/>
+        </p:nvCxnSpPr>
+        <p:spPr>
+          <a:xfrm rot="10800000" flipV="1">
+            <a:off x="3286116" y="4271266"/>
+            <a:ext cx="1588" cy="729370"/>
+          </a:xfrm>
+          <a:prstGeom prst="curvedConnector3">
+            <a:avLst>
+              <a:gd name="adj1" fmla="val 27191444"/>
+            </a:avLst>
+          </a:prstGeom>
+          <a:ln w="38100">
+            <a:solidFill>
+              <a:srgbClr val="C00000"/>
+            </a:solidFill>
+            <a:tailEnd type="arrow"/>
+          </a:ln>
+        </p:spPr>
+        <p:style>
+          <a:lnRef idx="1">
+            <a:schemeClr val="accent1"/>
+          </a:lnRef>
+          <a:fillRef idx="0">
+            <a:schemeClr val="accent1"/>
+          </a:fillRef>
+          <a:effectRef idx="0">
+            <a:schemeClr val="accent1"/>
+          </a:effectRef>
+          <a:fontRef idx="minor">
+            <a:schemeClr val="tx1"/>
+          </a:fontRef>
+        </p:style>
+      </p:cxnSp>
+      <p:cxnSp>
+        <p:nvCxnSpPr>
+          <p:cNvPr id="92" name="91 Conector curvado"/>
+          <p:cNvCxnSpPr>
+            <a:stCxn id="55" idx="1"/>
+            <a:endCxn id="53" idx="1"/>
+          </p:cNvCxnSpPr>
+          <p:nvPr/>
+        </p:nvCxnSpPr>
+        <p:spPr>
+          <a:xfrm rot="10800000" flipV="1">
+            <a:off x="3286116" y="5000636"/>
+            <a:ext cx="1588" cy="714380"/>
+          </a:xfrm>
+          <a:prstGeom prst="curvedConnector3">
+            <a:avLst>
+              <a:gd name="adj1" fmla="val 23535461"/>
+            </a:avLst>
+          </a:prstGeom>
+          <a:ln w="38100">
+            <a:solidFill>
+              <a:srgbClr val="C00000"/>
+            </a:solidFill>
+            <a:tailEnd type="arrow"/>
+          </a:ln>
+        </p:spPr>
+        <p:style>
+          <a:lnRef idx="1">
+            <a:schemeClr val="accent1"/>
+          </a:lnRef>
+          <a:fillRef idx="0">
+            <a:schemeClr val="accent1"/>
+          </a:fillRef>
+          <a:effectRef idx="0">
+            <a:schemeClr val="accent1"/>
+          </a:effectRef>
+          <a:fontRef idx="minor">
+            <a:schemeClr val="tx1"/>
+          </a:fontRef>
+        </p:style>
+      </p:cxnSp>
+      <p:cxnSp>
+        <p:nvCxnSpPr>
+          <p:cNvPr id="96" name="95 Conector curvado"/>
+          <p:cNvCxnSpPr>
+            <a:stCxn id="53" idx="1"/>
+            <a:endCxn id="54" idx="1"/>
+          </p:cNvCxnSpPr>
+          <p:nvPr/>
+        </p:nvCxnSpPr>
+        <p:spPr>
+          <a:xfrm rot="10800000" flipV="1">
+            <a:off x="3286116" y="5715016"/>
+            <a:ext cx="1588" cy="714380"/>
+          </a:xfrm>
+          <a:prstGeom prst="curvedConnector3">
+            <a:avLst>
+              <a:gd name="adj1" fmla="val 20793457"/>
+            </a:avLst>
+          </a:prstGeom>
+          <a:ln w="38100">
+            <a:solidFill>
+              <a:srgbClr val="C00000"/>
+            </a:solidFill>
+            <a:tailEnd type="arrow"/>
+          </a:ln>
+        </p:spPr>
+        <p:style>
+          <a:lnRef idx="1">
+            <a:schemeClr val="accent1"/>
+          </a:lnRef>
+          <a:fillRef idx="0">
+            <a:schemeClr val="accent1"/>
+          </a:fillRef>
+          <a:effectRef idx="0">
+            <a:schemeClr val="accent1"/>
+          </a:effectRef>
+          <a:fontRef idx="minor">
+            <a:schemeClr val="tx1"/>
+          </a:fontRef>
+        </p:style>
+      </p:cxnSp>
+      <p:sp>
+        <p:nvSpPr>
+          <p:cNvPr id="104" name="103 Rectángulo"/>
+          <p:cNvSpPr/>
+          <p:nvPr/>
+        </p:nvSpPr>
+        <p:spPr>
+          <a:xfrm>
+            <a:off x="7000892" y="1214422"/>
+            <a:ext cx="1571636" cy="357190"/>
+          </a:xfrm>
+          <a:prstGeom prst="rect">
+            <a:avLst/>
+          </a:prstGeom>
+        </p:spPr>
+        <p:style>
+          <a:lnRef idx="1">
+            <a:schemeClr val="accent5"/>
+          </a:lnRef>
+          <a:fillRef idx="2">
+            <a:schemeClr val="accent5"/>
+          </a:fillRef>
+          <a:effectRef idx="1">
+            <a:schemeClr val="accent5"/>
+          </a:effectRef>
+          <a:fontRef idx="minor">
+            <a:schemeClr val="dk1"/>
+          </a:fontRef>
+        </p:style>
+        <p:txBody>
+          <a:bodyPr rtlCol="0" anchor="ctr"/>
+          <a:lstStyle/>
+          <a:p>
+            <a:r>
+              <a:rPr lang="es-AR" dirty="0" smtClean="0"/>
+              <a:t>ACCIONES</a:t>
+            </a:r>
+            <a:endParaRPr lang="es-AR" dirty="0"/>
+          </a:p>
+        </p:txBody>
+      </p:sp>
+      <p:sp>
+        <p:nvSpPr>
+          <p:cNvPr id="106" name="105 Rectángulo"/>
+          <p:cNvSpPr/>
+          <p:nvPr/>
+        </p:nvSpPr>
+        <p:spPr>
+          <a:xfrm>
+            <a:off x="6786578" y="785794"/>
+            <a:ext cx="2071670" cy="357190"/>
+          </a:xfrm>
+          <a:prstGeom prst="rect">
+            <a:avLst/>
+          </a:prstGeom>
+        </p:spPr>
+        <p:style>
+          <a:lnRef idx="1">
+            <a:schemeClr val="accent6"/>
+          </a:lnRef>
+          <a:fillRef idx="2">
+            <a:schemeClr val="accent6"/>
+          </a:fillRef>
+          <a:effectRef idx="1">
+            <a:schemeClr val="accent6"/>
+          </a:effectRef>
+          <a:fontRef idx="minor">
+            <a:schemeClr val="dk1"/>
+          </a:fontRef>
+        </p:style>
+        <p:txBody>
+          <a:bodyPr rtlCol="0" anchor="ctr"/>
+          <a:lstStyle/>
+          <a:p>
+            <a:pPr algn="ctr"/>
+            <a:r>
+              <a:rPr lang="es-AR" dirty="0" smtClean="0"/>
+              <a:t>COMPROBACIONES</a:t>
+            </a:r>
+            <a:endParaRPr lang="es-AR" dirty="0"/>
+          </a:p>
+        </p:txBody>
+      </p:sp>
+      <p:cxnSp>
+        <p:nvCxnSpPr>
+          <p:cNvPr id="111" name="110 Conector curvado"/>
+          <p:cNvCxnSpPr>
+            <a:stCxn id="66" idx="3"/>
+            <a:endCxn id="71" idx="0"/>
+          </p:cNvCxnSpPr>
+          <p:nvPr/>
+        </p:nvCxnSpPr>
+        <p:spPr>
+          <a:xfrm>
+            <a:off x="5500694" y="1107265"/>
+            <a:ext cx="1678809" cy="3679057"/>
+          </a:xfrm>
+          <a:prstGeom prst="curvedConnector2">
+            <a:avLst/>
+          </a:prstGeom>
+          <a:ln w="12700">
+            <a:solidFill>
+              <a:srgbClr val="C00000"/>
+            </a:solidFill>
+            <a:prstDash val="dash"/>
+            <a:tailEnd type="arrow"/>
+          </a:ln>
+        </p:spPr>
+        <p:style>
+          <a:lnRef idx="1">
+            <a:schemeClr val="accent1"/>
+          </a:lnRef>
+          <a:fillRef idx="0">
+            <a:schemeClr val="accent1"/>
+          </a:fillRef>
+          <a:effectRef idx="0">
+            <a:schemeClr val="accent1"/>
+          </a:effectRef>
+          <a:fontRef idx="minor">
+            <a:schemeClr val="tx1"/>
+          </a:fontRef>
+        </p:style>
+      </p:cxnSp>
+      <p:sp>
+        <p:nvSpPr>
+          <p:cNvPr id="1026" name="AutoShape 2" descr="Resultado de imagen de ICONO PASOS"/>
+          <p:cNvSpPr>
+            <a:spLocks noChangeAspect="1" noChangeArrowheads="1"/>
+          </p:cNvSpPr>
+          <p:nvPr/>
+        </p:nvSpPr>
+        <p:spPr bwMode="auto">
+          <a:xfrm>
+            <a:off x="155575" y="-144463"/>
+            <a:ext cx="304800" cy="304801"/>
+          </a:xfrm>
+          <a:prstGeom prst="rect">
+            <a:avLst/>
+          </a:prstGeom>
+          <a:noFill/>
+        </p:spPr>
+        <p:txBody>
+          <a:bodyPr vert="horz" wrap="square" lIns="91440" tIns="45720" rIns="91440" bIns="45720" numCol="1" anchor="t" anchorCtr="0" compatLnSpc="1">
+            <a:prstTxWarp prst="textNoShape">
+              <a:avLst/>
+            </a:prstTxWarp>
+          </a:bodyPr>
+          <a:lstStyle/>
+          <a:p>
+            <a:endParaRPr lang="es-AR"/>
+          </a:p>
+        </p:txBody>
+      </p:sp>
+      <p:sp>
+        <p:nvSpPr>
+          <p:cNvPr id="1028" name="AutoShape 4" descr="Resultado de imagen de ICONO PASOS"/>
+          <p:cNvSpPr>
+            <a:spLocks noChangeAspect="1" noChangeArrowheads="1"/>
+          </p:cNvSpPr>
+          <p:nvPr/>
+        </p:nvSpPr>
+        <p:spPr bwMode="auto">
+          <a:xfrm>
+            <a:off x="155575" y="-144463"/>
+            <a:ext cx="304800" cy="304801"/>
+          </a:xfrm>
+          <a:prstGeom prst="rect">
+            <a:avLst/>
+          </a:prstGeom>
+          <a:noFill/>
+        </p:spPr>
+        <p:txBody>
+          <a:bodyPr vert="horz" wrap="square" lIns="91440" tIns="45720" rIns="91440" bIns="45720" numCol="1" anchor="t" anchorCtr="0" compatLnSpc="1">
+            <a:prstTxWarp prst="textNoShape">
+              <a:avLst/>
+            </a:prstTxWarp>
+          </a:bodyPr>
+          <a:lstStyle/>
+          <a:p>
+            <a:endParaRPr lang="es-AR"/>
+          </a:p>
+        </p:txBody>
+      </p:sp>
+      <p:pic>
+        <p:nvPicPr>
+          <p:cNvPr id="1029" name="Picture 5"/>
+          <p:cNvPicPr>
+            <a:picLocks noChangeAspect="1" noChangeArrowheads="1"/>
+          </p:cNvPicPr>
+          <p:nvPr/>
+        </p:nvPicPr>
+        <p:blipFill>
+          <a:blip r:embed="rId3" cstate="print"/>
+          <a:srcRect/>
+          <a:stretch>
+            <a:fillRect/>
+          </a:stretch>
+        </p:blipFill>
+        <p:spPr bwMode="auto">
+          <a:xfrm>
+            <a:off x="571472" y="4714884"/>
+            <a:ext cx="1590675" cy="1724025"/>
+          </a:xfrm>
+          <a:prstGeom prst="rect">
+            <a:avLst/>
+          </a:prstGeom>
+          <a:noFill/>
+          <a:ln w="9525">
+            <a:noFill/>
+            <a:miter lim="800000"/>
+            <a:headEnd/>
+            <a:tailEnd/>
+          </a:ln>
+          <a:effectLst/>
+        </p:spPr>
+      </p:pic>
+    </p:spTree>
+  </p:cSld>
+  <p:clrMapOvr>
+    <a:masterClrMapping/>
+  </p:clrMapOvr>
+  <p:timing>
+    <p:tnLst>
+      <p:par>
+        <p:cTn id="1" dur="indefinite" restart="never" nodeType="tmRoot"/>
+      </p:par>
+    </p:tnLst>
+  </p:timing>
+</p:sld>
+</file>
+
+<file path=ppt/slides/slide4.xml><?xml version="1.0" encoding="utf-8"?>
+<p:sld xmlns:a="http://schemas.openxmlformats.org/drawingml/2006/main" xmlns:r="http://schemas.openxmlformats.org/officeDocument/2006/relationships" xmlns:p="http://schemas.openxmlformats.org/presentationml/2006/main">
+  <p:cSld>
+    <p:spTree>
+      <p:nvGrpSpPr>
+        <p:cNvPr id="1" name=""/>
+        <p:cNvGrpSpPr/>
+        <p:nvPr/>
+      </p:nvGrpSpPr>
+      <p:grpSpPr>
+        <a:xfrm>
+          <a:off x="0" y="0"/>
+          <a:ext cx="0" cy="0"/>
+          <a:chOff x="0" y="0"/>
+          <a:chExt cx="0" cy="0"/>
+        </a:xfrm>
+      </p:grpSpPr>
+      <p:sp>
+        <p:nvSpPr>
+          <p:cNvPr id="20" name="19 Rectángulo"/>
+          <p:cNvSpPr/>
+          <p:nvPr/>
+        </p:nvSpPr>
+        <p:spPr>
+          <a:xfrm>
+            <a:off x="899592" y="836712"/>
+            <a:ext cx="1857388" cy="360040"/>
+          </a:xfrm>
+          <a:prstGeom prst="rect">
+            <a:avLst/>
+          </a:prstGeom>
+        </p:spPr>
+        <p:style>
+          <a:lnRef idx="1">
+            <a:schemeClr val="accent6"/>
+          </a:lnRef>
+          <a:fillRef idx="2">
+            <a:schemeClr val="accent6"/>
+          </a:fillRef>
+          <a:effectRef idx="1">
+            <a:schemeClr val="accent6"/>
+          </a:effectRef>
+          <a:fontRef idx="minor">
+            <a:schemeClr val="dk1"/>
+          </a:fontRef>
+        </p:style>
+        <p:txBody>
+          <a:bodyPr rtlCol="0" anchor="ctr"/>
+          <a:lstStyle/>
+          <a:p>
+            <a:pPr algn="ctr"/>
+            <a:r>
+              <a:rPr lang="es-AR" dirty="0" err="1" smtClean="0"/>
+              <a:t>personalHabs</a:t>
+            </a:r>
+            <a:endParaRPr lang="es-AR" dirty="0"/>
+          </a:p>
+        </p:txBody>
+      </p:sp>
+      <p:sp>
+        <p:nvSpPr>
+          <p:cNvPr id="65" name="64 Rectángulo"/>
+          <p:cNvSpPr/>
+          <p:nvPr/>
+        </p:nvSpPr>
+        <p:spPr>
+          <a:xfrm>
+            <a:off x="214282" y="214290"/>
+            <a:ext cx="8715436" cy="357190"/>
+          </a:xfrm>
+          <a:prstGeom prst="rect">
+            <a:avLst/>
+          </a:prstGeom>
+        </p:spPr>
+        <p:style>
+          <a:lnRef idx="1">
+            <a:schemeClr val="dk1"/>
+          </a:lnRef>
+          <a:fillRef idx="2">
+            <a:schemeClr val="dk1"/>
+          </a:fillRef>
+          <a:effectRef idx="1">
+            <a:schemeClr val="dk1"/>
+          </a:effectRef>
+          <a:fontRef idx="minor">
+            <a:schemeClr val="dk1"/>
+          </a:fontRef>
+        </p:style>
+        <p:txBody>
+          <a:bodyPr rtlCol="0" anchor="ctr"/>
+          <a:lstStyle/>
+          <a:p>
+            <a:pPr algn="ctr"/>
+            <a:r>
+              <a:rPr lang="es-AR" sz="2000" b="1" dirty="0" smtClean="0"/>
+              <a:t>HABILIDADES PROCESS</a:t>
+            </a:r>
+            <a:endParaRPr lang="es-AR" sz="2000" b="1" dirty="0"/>
+          </a:p>
+        </p:txBody>
+      </p:sp>
+      <p:sp>
+        <p:nvSpPr>
+          <p:cNvPr id="66" name="65 Rectángulo"/>
+          <p:cNvSpPr/>
+          <p:nvPr/>
+        </p:nvSpPr>
+        <p:spPr>
+          <a:xfrm>
+            <a:off x="683568" y="2636912"/>
+            <a:ext cx="2088232" cy="576064"/>
+          </a:xfrm>
+          <a:prstGeom prst="rect">
+            <a:avLst/>
+          </a:prstGeom>
+        </p:spPr>
+        <p:style>
+          <a:lnRef idx="1">
+            <a:schemeClr val="accent5"/>
+          </a:lnRef>
+          <a:fillRef idx="2">
+            <a:schemeClr val="accent5"/>
+          </a:fillRef>
+          <a:effectRef idx="1">
+            <a:schemeClr val="accent5"/>
+          </a:effectRef>
+          <a:fontRef idx="minor">
+            <a:schemeClr val="dk1"/>
+          </a:fontRef>
+        </p:style>
+        <p:txBody>
+          <a:bodyPr rtlCol="0" anchor="ctr"/>
+          <a:lstStyle/>
+          <a:p>
+            <a:r>
+              <a:rPr lang="es-AR" dirty="0" err="1" smtClean="0"/>
+              <a:t>get_hability</a:t>
+            </a:r>
+            <a:r>
+              <a:rPr lang="es-AR" dirty="0" smtClean="0"/>
+              <a:t> </a:t>
+            </a:r>
+          </a:p>
+          <a:p>
+            <a:r>
+              <a:rPr lang="es-AR" dirty="0" smtClean="0"/>
+              <a:t>suma ambas </a:t>
+            </a:r>
+            <a:r>
+              <a:rPr lang="es-AR" dirty="0" err="1" smtClean="0"/>
+              <a:t>habs</a:t>
+            </a:r>
+            <a:endParaRPr lang="es-AR" dirty="0"/>
+          </a:p>
+        </p:txBody>
+      </p:sp>
+      <p:cxnSp>
+        <p:nvCxnSpPr>
+          <p:cNvPr id="24" name="23 Conector curvado"/>
+          <p:cNvCxnSpPr/>
+          <p:nvPr/>
+        </p:nvCxnSpPr>
+        <p:spPr>
+          <a:xfrm>
+            <a:off x="7321004" y="1268760"/>
+            <a:ext cx="923404" cy="864096"/>
+          </a:xfrm>
+          <a:prstGeom prst="curvedConnector3">
+            <a:avLst>
+              <a:gd name="adj1" fmla="val 50000"/>
+            </a:avLst>
+          </a:prstGeom>
+          <a:ln w="38100">
+            <a:solidFill>
+              <a:srgbClr val="C00000"/>
+            </a:solidFill>
+            <a:tailEnd type="arrow"/>
+          </a:ln>
+        </p:spPr>
+        <p:style>
+          <a:lnRef idx="1">
+            <a:schemeClr val="accent1"/>
+          </a:lnRef>
+          <a:fillRef idx="0">
+            <a:schemeClr val="accent1"/>
+          </a:fillRef>
+          <a:effectRef idx="0">
+            <a:schemeClr val="accent1"/>
+          </a:effectRef>
+          <a:fontRef idx="minor">
+            <a:schemeClr val="tx1"/>
+          </a:fontRef>
+        </p:style>
+      </p:cxnSp>
+      <p:sp>
+        <p:nvSpPr>
+          <p:cNvPr id="1026" name="AutoShape 2" descr="Resultado de imagen de ICONO PASOS"/>
+          <p:cNvSpPr>
+            <a:spLocks noChangeAspect="1" noChangeArrowheads="1"/>
+          </p:cNvSpPr>
+          <p:nvPr/>
+        </p:nvSpPr>
+        <p:spPr bwMode="auto">
+          <a:xfrm>
+            <a:off x="155575" y="-144463"/>
+            <a:ext cx="304800" cy="304801"/>
+          </a:xfrm>
+          <a:prstGeom prst="rect">
+            <a:avLst/>
+          </a:prstGeom>
+          <a:noFill/>
+        </p:spPr>
+        <p:txBody>
+          <a:bodyPr vert="horz" wrap="square" lIns="91440" tIns="45720" rIns="91440" bIns="45720" numCol="1" anchor="t" anchorCtr="0" compatLnSpc="1">
+            <a:prstTxWarp prst="textNoShape">
+              <a:avLst/>
+            </a:prstTxWarp>
+          </a:bodyPr>
+          <a:lstStyle/>
+          <a:p>
+            <a:endParaRPr lang="es-AR"/>
+          </a:p>
+        </p:txBody>
+      </p:sp>
+      <p:sp>
+        <p:nvSpPr>
+          <p:cNvPr id="1028" name="AutoShape 4" descr="Resultado de imagen de ICONO PASOS"/>
+          <p:cNvSpPr>
+            <a:spLocks noChangeAspect="1" noChangeArrowheads="1"/>
+          </p:cNvSpPr>
+          <p:nvPr/>
+        </p:nvSpPr>
+        <p:spPr bwMode="auto">
+          <a:xfrm>
+            <a:off x="155575" y="-144463"/>
+            <a:ext cx="304800" cy="304801"/>
+          </a:xfrm>
+          <a:prstGeom prst="rect">
+            <a:avLst/>
+          </a:prstGeom>
+          <a:noFill/>
+        </p:spPr>
+        <p:txBody>
+          <a:bodyPr vert="horz" wrap="square" lIns="91440" tIns="45720" rIns="91440" bIns="45720" numCol="1" anchor="t" anchorCtr="0" compatLnSpc="1">
+            <a:prstTxWarp prst="textNoShape">
+              <a:avLst/>
+            </a:prstTxWarp>
+          </a:bodyPr>
+          <a:lstStyle/>
+          <a:p>
+            <a:endParaRPr lang="es-AR"/>
+          </a:p>
+        </p:txBody>
+      </p:sp>
+      <p:sp>
+        <p:nvSpPr>
+          <p:cNvPr id="31" name="30 Rectángulo"/>
+          <p:cNvSpPr/>
+          <p:nvPr/>
+        </p:nvSpPr>
+        <p:spPr>
+          <a:xfrm>
+            <a:off x="899592" y="1412776"/>
+            <a:ext cx="1857388" cy="360040"/>
+          </a:xfrm>
+          <a:prstGeom prst="rect">
+            <a:avLst/>
+          </a:prstGeom>
+        </p:spPr>
+        <p:style>
+          <a:lnRef idx="1">
+            <a:schemeClr val="accent6"/>
+          </a:lnRef>
+          <a:fillRef idx="2">
+            <a:schemeClr val="accent6"/>
+          </a:fillRef>
+          <a:effectRef idx="1">
+            <a:schemeClr val="accent6"/>
+          </a:effectRef>
+          <a:fontRef idx="minor">
+            <a:schemeClr val="dk1"/>
+          </a:fontRef>
+        </p:style>
+        <p:txBody>
+          <a:bodyPr rtlCol="0" anchor="ctr"/>
+          <a:lstStyle/>
+          <a:p>
+            <a:pPr algn="ctr"/>
+            <a:r>
+              <a:rPr lang="es-AR" dirty="0" err="1" smtClean="0"/>
+              <a:t>objectHabs</a:t>
+            </a:r>
+            <a:endParaRPr lang="es-AR" dirty="0"/>
+          </a:p>
+        </p:txBody>
+      </p:sp>
+      <p:sp>
+        <p:nvSpPr>
+          <p:cNvPr id="34" name="33 Rectángulo"/>
+          <p:cNvSpPr/>
+          <p:nvPr/>
+        </p:nvSpPr>
+        <p:spPr>
+          <a:xfrm>
+            <a:off x="683568" y="3429000"/>
+            <a:ext cx="2736304" cy="1080120"/>
+          </a:xfrm>
+          <a:prstGeom prst="rect">
+            <a:avLst/>
+          </a:prstGeom>
+        </p:spPr>
+        <p:style>
+          <a:lnRef idx="1">
+            <a:schemeClr val="accent5"/>
+          </a:lnRef>
+          <a:fillRef idx="2">
+            <a:schemeClr val="accent5"/>
+          </a:fillRef>
+          <a:effectRef idx="1">
+            <a:schemeClr val="accent5"/>
+          </a:effectRef>
+          <a:fontRef idx="minor">
+            <a:schemeClr val="dk1"/>
+          </a:fontRef>
+        </p:style>
+        <p:txBody>
+          <a:bodyPr rtlCol="0" anchor="ctr"/>
+          <a:lstStyle/>
+          <a:p>
+            <a:r>
+              <a:rPr lang="es-AR" dirty="0" err="1" smtClean="0"/>
+              <a:t>recalculate_hability</a:t>
+            </a:r>
+            <a:r>
+              <a:rPr lang="es-AR" dirty="0" smtClean="0"/>
+              <a:t> </a:t>
+            </a:r>
+          </a:p>
+          <a:p>
+            <a:r>
+              <a:rPr lang="es-AR" dirty="0" smtClean="0"/>
+              <a:t>Carga @</a:t>
+            </a:r>
+            <a:r>
+              <a:rPr lang="es-AR" dirty="0" err="1" smtClean="0"/>
+              <a:t>objectHabs@</a:t>
+            </a:r>
+            <a:r>
+              <a:rPr lang="es-AR" dirty="0" smtClean="0"/>
+              <a:t> con los </a:t>
+            </a:r>
+            <a:r>
+              <a:rPr lang="es-AR" dirty="0" err="1" smtClean="0"/>
+              <a:t>numeros</a:t>
+            </a:r>
+            <a:r>
+              <a:rPr lang="es-AR" dirty="0" smtClean="0"/>
+              <a:t> mas altos de cada objeto equipado</a:t>
+            </a:r>
+            <a:endParaRPr lang="es-AR" dirty="0"/>
+          </a:p>
+        </p:txBody>
+      </p:sp>
+      <p:sp>
+        <p:nvSpPr>
+          <p:cNvPr id="35" name="34 Rectángulo"/>
+          <p:cNvSpPr/>
+          <p:nvPr/>
+        </p:nvSpPr>
+        <p:spPr>
+          <a:xfrm>
+            <a:off x="2915816" y="836712"/>
+            <a:ext cx="1296144" cy="360040"/>
+          </a:xfrm>
+          <a:prstGeom prst="rect">
+            <a:avLst/>
+          </a:prstGeom>
+        </p:spPr>
+        <p:style>
+          <a:lnRef idx="1">
+            <a:schemeClr val="accent5"/>
+          </a:lnRef>
+          <a:fillRef idx="2">
+            <a:schemeClr val="accent5"/>
+          </a:fillRef>
+          <a:effectRef idx="1">
+            <a:schemeClr val="accent5"/>
+          </a:effectRef>
+          <a:fontRef idx="minor">
+            <a:schemeClr val="dk1"/>
+          </a:fontRef>
+        </p:style>
+        <p:txBody>
+          <a:bodyPr rtlCol="0" anchor="ctr"/>
+          <a:lstStyle/>
+          <a:p>
+            <a:r>
+              <a:rPr lang="es-AR" dirty="0" err="1" smtClean="0"/>
+              <a:t>Punteria</a:t>
+            </a:r>
+            <a:r>
+              <a:rPr lang="es-AR" dirty="0" smtClean="0"/>
+              <a:t>=2</a:t>
+            </a:r>
+            <a:endParaRPr lang="es-AR" dirty="0"/>
+          </a:p>
+        </p:txBody>
+      </p:sp>
+      <p:sp>
+        <p:nvSpPr>
+          <p:cNvPr id="36" name="35 Rectángulo"/>
+          <p:cNvSpPr/>
+          <p:nvPr/>
+        </p:nvSpPr>
+        <p:spPr>
+          <a:xfrm>
+            <a:off x="2915816" y="1412776"/>
+            <a:ext cx="1296144" cy="360040"/>
+          </a:xfrm>
+          <a:prstGeom prst="rect">
+            <a:avLst/>
+          </a:prstGeom>
+        </p:spPr>
+        <p:style>
+          <a:lnRef idx="1">
+            <a:schemeClr val="accent5"/>
+          </a:lnRef>
+          <a:fillRef idx="2">
+            <a:schemeClr val="accent5"/>
+          </a:fillRef>
+          <a:effectRef idx="1">
+            <a:schemeClr val="accent5"/>
+          </a:effectRef>
+          <a:fontRef idx="minor">
+            <a:schemeClr val="dk1"/>
+          </a:fontRef>
+        </p:style>
+        <p:txBody>
+          <a:bodyPr rtlCol="0" anchor="ctr"/>
+          <a:lstStyle/>
+          <a:p>
+            <a:r>
+              <a:rPr lang="es-AR" dirty="0" smtClean="0"/>
+              <a:t>Disparar=1</a:t>
+            </a:r>
+            <a:endParaRPr lang="es-AR" dirty="0"/>
+          </a:p>
+        </p:txBody>
+      </p:sp>
+      <p:sp>
+        <p:nvSpPr>
+          <p:cNvPr id="37" name="36 Rectángulo"/>
+          <p:cNvSpPr/>
+          <p:nvPr/>
+        </p:nvSpPr>
+        <p:spPr>
+          <a:xfrm>
+            <a:off x="4283968" y="836712"/>
+            <a:ext cx="1800200" cy="360040"/>
+          </a:xfrm>
+          <a:prstGeom prst="rect">
+            <a:avLst/>
+          </a:prstGeom>
+        </p:spPr>
+        <p:style>
+          <a:lnRef idx="1">
+            <a:schemeClr val="accent5"/>
+          </a:lnRef>
+          <a:fillRef idx="2">
+            <a:schemeClr val="accent5"/>
+          </a:fillRef>
+          <a:effectRef idx="1">
+            <a:schemeClr val="accent5"/>
+          </a:effectRef>
+          <a:fontRef idx="minor">
+            <a:schemeClr val="dk1"/>
+          </a:fontRef>
+        </p:style>
+        <p:txBody>
+          <a:bodyPr rtlCol="0" anchor="ctr"/>
+          <a:lstStyle/>
+          <a:p>
+            <a:r>
+              <a:rPr lang="es-AR" dirty="0" smtClean="0"/>
+              <a:t>Abrir Cerrojo=4</a:t>
+            </a:r>
+            <a:endParaRPr lang="es-AR" dirty="0"/>
+          </a:p>
+        </p:txBody>
+      </p:sp>
+      <p:sp>
+        <p:nvSpPr>
+          <p:cNvPr id="38" name="37 Rectángulo"/>
+          <p:cNvSpPr/>
+          <p:nvPr/>
+        </p:nvSpPr>
+        <p:spPr>
+          <a:xfrm>
+            <a:off x="4283968" y="1412776"/>
+            <a:ext cx="1800200" cy="360040"/>
+          </a:xfrm>
+          <a:prstGeom prst="rect">
+            <a:avLst/>
+          </a:prstGeom>
+        </p:spPr>
+        <p:style>
+          <a:lnRef idx="1">
+            <a:schemeClr val="accent5"/>
+          </a:lnRef>
+          <a:fillRef idx="2">
+            <a:schemeClr val="accent5"/>
+          </a:fillRef>
+          <a:effectRef idx="1">
+            <a:schemeClr val="accent5"/>
+          </a:effectRef>
+          <a:fontRef idx="minor">
+            <a:schemeClr val="dk1"/>
+          </a:fontRef>
+        </p:style>
+        <p:txBody>
+          <a:bodyPr rtlCol="0" anchor="ctr"/>
+          <a:lstStyle/>
+          <a:p>
+            <a:r>
+              <a:rPr lang="es-AR" dirty="0" smtClean="0"/>
+              <a:t>Abrir Cerrojo=3</a:t>
+            </a:r>
+            <a:endParaRPr lang="es-AR" dirty="0"/>
           </a:p>
         </p:txBody>
       </p:sp>
